--- a/アーキテクチャの図.pptx
+++ b/アーキテクチャの図.pptx
@@ -104,7 +104,16 @@
       </a:defRPr>
     </a:lvl9pPr>
   </p:defaultTextStyle>
+  <p:extLst>
+    <p:ext uri="{EFAFB233-063F-42B5-8137-9DF3F51BA10A}">
+      <p15:sldGuideLst xmlns:p15="http://schemas.microsoft.com/office/powerpoint/2012/main"/>
+    </p:ext>
+  </p:extLst>
 </p:presentation>
+</file>
+
+<file path=ppt/revisionInfo.xml><?xml version="1.0" encoding="utf-8"?>
+<p1510:revInfo xmlns:a="http://schemas.openxmlformats.org/drawingml/2006/main" xmlns:r="http://schemas.openxmlformats.org/officeDocument/2006/relationships" xmlns:p1510="http://schemas.microsoft.com/office/powerpoint/2015/10/main"/>
 </file>
 
 <file path=ppt/slideLayouts/slideLayout1.xml><?xml version="1.0" encoding="utf-8"?>
@@ -3609,6 +3618,875 @@
           <a:chExt cx="0" cy="0"/>
         </a:xfrm>
       </p:grpSpPr>
+      <p:grpSp>
+        <p:nvGrpSpPr>
+          <p:cNvPr id="26" name="グループ化 25">
+            <a:extLst>
+              <a:ext uri="{FF2B5EF4-FFF2-40B4-BE49-F238E27FC236}">
+                <a16:creationId xmlns:a16="http://schemas.microsoft.com/office/drawing/2014/main" id="{CB0BD328-DCBE-42C8-8990-76B467FFCEB1}"/>
+              </a:ext>
+            </a:extLst>
+          </p:cNvPr>
+          <p:cNvGrpSpPr/>
+          <p:nvPr/>
+        </p:nvGrpSpPr>
+        <p:grpSpPr>
+          <a:xfrm>
+            <a:off x="640787" y="80919"/>
+            <a:ext cx="11540055" cy="6797062"/>
+            <a:chOff x="640787" y="80919"/>
+            <a:chExt cx="11540055" cy="6797062"/>
+          </a:xfrm>
+        </p:grpSpPr>
+        <p:grpSp>
+          <p:nvGrpSpPr>
+            <p:cNvPr id="6" name="グループ化 5">
+              <a:extLst>
+                <a:ext uri="{FF2B5EF4-FFF2-40B4-BE49-F238E27FC236}">
+                  <a16:creationId xmlns:a16="http://schemas.microsoft.com/office/drawing/2014/main" id="{2FFFDAEF-7C57-46CD-A7C0-6175E1D828EE}"/>
+                </a:ext>
+              </a:extLst>
+            </p:cNvPr>
+            <p:cNvGrpSpPr/>
+            <p:nvPr/>
+          </p:nvGrpSpPr>
+          <p:grpSpPr>
+            <a:xfrm>
+              <a:off x="809204" y="2799843"/>
+              <a:ext cx="2028941" cy="3900227"/>
+              <a:chOff x="1396782" y="3088596"/>
+              <a:chExt cx="1773138" cy="3526823"/>
+            </a:xfrm>
+          </p:grpSpPr>
+          <p:pic>
+            <p:nvPicPr>
+              <p:cNvPr id="3" name="図 2">
+                <a:extLst>
+                  <a:ext uri="{FF2B5EF4-FFF2-40B4-BE49-F238E27FC236}">
+                    <a16:creationId xmlns:a16="http://schemas.microsoft.com/office/drawing/2014/main" id="{E8543C29-24A3-4161-A893-448D0D71ADAE}"/>
+                  </a:ext>
+                </a:extLst>
+              </p:cNvPr>
+              <p:cNvPicPr>
+                <a:picLocks noChangeAspect="1"/>
+              </p:cNvPicPr>
+              <p:nvPr/>
+            </p:nvPicPr>
+            <p:blipFill>
+              <a:blip r:embed="rId2">
+                <a:extLst>
+                  <a:ext uri="{28A0092B-C50C-407E-A947-70E740481C1C}">
+                    <a14:useLocalDpi xmlns:a14="http://schemas.microsoft.com/office/drawing/2010/main" val="0"/>
+                  </a:ext>
+                </a:extLst>
+              </a:blip>
+              <a:stretch>
+                <a:fillRect/>
+              </a:stretch>
+            </p:blipFill>
+            <p:spPr>
+              <a:xfrm>
+                <a:off x="1396782" y="3088596"/>
+                <a:ext cx="1773138" cy="3526823"/>
+              </a:xfrm>
+              <a:prstGeom prst="rect">
+                <a:avLst/>
+              </a:prstGeom>
+            </p:spPr>
+          </p:pic>
+          <p:pic>
+            <p:nvPicPr>
+              <p:cNvPr id="5" name="図 4">
+                <a:extLst>
+                  <a:ext uri="{FF2B5EF4-FFF2-40B4-BE49-F238E27FC236}">
+                    <a16:creationId xmlns:a16="http://schemas.microsoft.com/office/drawing/2014/main" id="{B9E27AE4-9119-4C3B-85BF-D07A160ABE31}"/>
+                  </a:ext>
+                </a:extLst>
+              </p:cNvPr>
+              <p:cNvPicPr>
+                <a:picLocks noChangeAspect="1"/>
+              </p:cNvPicPr>
+              <p:nvPr/>
+            </p:nvPicPr>
+            <p:blipFill>
+              <a:blip r:embed="rId3">
+                <a:extLst>
+                  <a:ext uri="{28A0092B-C50C-407E-A947-70E740481C1C}">
+                    <a14:useLocalDpi xmlns:a14="http://schemas.microsoft.com/office/drawing/2010/main" val="0"/>
+                  </a:ext>
+                </a:extLst>
+              </a:blip>
+              <a:stretch>
+                <a:fillRect/>
+              </a:stretch>
+            </p:blipFill>
+            <p:spPr>
+              <a:xfrm>
+                <a:off x="1550030" y="3548326"/>
+                <a:ext cx="1466641" cy="2607362"/>
+              </a:xfrm>
+              <a:prstGeom prst="rect">
+                <a:avLst/>
+              </a:prstGeom>
+            </p:spPr>
+          </p:pic>
+        </p:grpSp>
+        <p:sp>
+          <p:nvSpPr>
+            <p:cNvPr id="7" name="雲 6">
+              <a:extLst>
+                <a:ext uri="{FF2B5EF4-FFF2-40B4-BE49-F238E27FC236}">
+                  <a16:creationId xmlns:a16="http://schemas.microsoft.com/office/drawing/2014/main" id="{6B082983-1DA0-4A3F-8FF6-3D1AA32D36B9}"/>
+                </a:ext>
+              </a:extLst>
+            </p:cNvPr>
+            <p:cNvSpPr/>
+            <p:nvPr/>
+          </p:nvSpPr>
+          <p:spPr>
+            <a:xfrm>
+              <a:off x="3301550" y="80919"/>
+              <a:ext cx="5340743" cy="2718924"/>
+            </a:xfrm>
+            <a:prstGeom prst="cloud">
+              <a:avLst/>
+            </a:prstGeom>
+          </p:spPr>
+          <p:style>
+            <a:lnRef idx="3">
+              <a:schemeClr val="lt1"/>
+            </a:lnRef>
+            <a:fillRef idx="1">
+              <a:schemeClr val="accent6"/>
+            </a:fillRef>
+            <a:effectRef idx="1">
+              <a:schemeClr val="accent6"/>
+            </a:effectRef>
+            <a:fontRef idx="minor">
+              <a:schemeClr val="lt1"/>
+            </a:fontRef>
+          </p:style>
+          <p:txBody>
+            <a:bodyPr rtlCol="0" anchor="ctr"/>
+            <a:lstStyle/>
+            <a:p>
+              <a:pPr algn="ctr"/>
+              <a:endParaRPr kumimoji="1" lang="ja-JP" altLang="en-US"/>
+            </a:p>
+          </p:txBody>
+        </p:sp>
+        <p:sp>
+          <p:nvSpPr>
+            <p:cNvPr id="8" name="テキスト ボックス 7">
+              <a:extLst>
+                <a:ext uri="{FF2B5EF4-FFF2-40B4-BE49-F238E27FC236}">
+                  <a16:creationId xmlns:a16="http://schemas.microsoft.com/office/drawing/2014/main" id="{F240EF94-B88A-47F8-A23F-F6DDCB451457}"/>
+                </a:ext>
+              </a:extLst>
+            </p:cNvPr>
+            <p:cNvSpPr txBox="1"/>
+            <p:nvPr/>
+          </p:nvSpPr>
+          <p:spPr>
+            <a:xfrm>
+              <a:off x="4531540" y="1024882"/>
+              <a:ext cx="3309641" cy="830997"/>
+            </a:xfrm>
+            <a:prstGeom prst="rect">
+              <a:avLst/>
+            </a:prstGeom>
+            <a:noFill/>
+          </p:spPr>
+          <p:txBody>
+            <a:bodyPr wrap="square" rtlCol="0">
+              <a:spAutoFit/>
+            </a:bodyPr>
+            <a:lstStyle/>
+            <a:p>
+              <a:r>
+                <a:rPr kumimoji="1" lang="en-US" altLang="ja-JP" sz="4800" b="1" dirty="0">
+                  <a:solidFill>
+                    <a:schemeClr val="bg1"/>
+                  </a:solidFill>
+                </a:rPr>
+                <a:t>LINE bot</a:t>
+              </a:r>
+              <a:endParaRPr kumimoji="1" lang="ja-JP" altLang="en-US" sz="4800" b="1" dirty="0">
+                <a:solidFill>
+                  <a:schemeClr val="bg1"/>
+                </a:solidFill>
+              </a:endParaRPr>
+            </a:p>
+          </p:txBody>
+        </p:sp>
+        <p:pic>
+          <p:nvPicPr>
+            <p:cNvPr id="10" name="図 9">
+              <a:extLst>
+                <a:ext uri="{FF2B5EF4-FFF2-40B4-BE49-F238E27FC236}">
+                  <a16:creationId xmlns:a16="http://schemas.microsoft.com/office/drawing/2014/main" id="{753232B3-5570-4D26-B7CA-803664D4D1C0}"/>
+                </a:ext>
+              </a:extLst>
+            </p:cNvPr>
+            <p:cNvPicPr>
+              <a:picLocks noChangeAspect="1"/>
+            </p:cNvPicPr>
+            <p:nvPr/>
+          </p:nvPicPr>
+          <p:blipFill>
+            <a:blip r:embed="rId4">
+              <a:extLst>
+                <a:ext uri="{28A0092B-C50C-407E-A947-70E740481C1C}">
+                  <a14:useLocalDpi xmlns:a14="http://schemas.microsoft.com/office/drawing/2010/main" val="0"/>
+                </a:ext>
+              </a:extLst>
+            </a:blip>
+            <a:stretch>
+              <a:fillRect/>
+            </a:stretch>
+          </p:blipFill>
+          <p:spPr>
+            <a:xfrm>
+              <a:off x="6737377" y="4572023"/>
+              <a:ext cx="1742631" cy="1306973"/>
+            </a:xfrm>
+            <a:prstGeom prst="rect">
+              <a:avLst/>
+            </a:prstGeom>
+          </p:spPr>
+        </p:pic>
+        <p:pic>
+          <p:nvPicPr>
+            <p:cNvPr id="12" name="図 11">
+              <a:extLst>
+                <a:ext uri="{FF2B5EF4-FFF2-40B4-BE49-F238E27FC236}">
+                  <a16:creationId xmlns:a16="http://schemas.microsoft.com/office/drawing/2014/main" id="{1A4C37E0-8D00-467B-8A5B-2B9F8B9E27EC}"/>
+                </a:ext>
+              </a:extLst>
+            </p:cNvPr>
+            <p:cNvPicPr>
+              <a:picLocks noChangeAspect="1"/>
+            </p:cNvPicPr>
+            <p:nvPr/>
+          </p:nvPicPr>
+          <p:blipFill>
+            <a:blip r:embed="rId5">
+              <a:extLst>
+                <a:ext uri="{28A0092B-C50C-407E-A947-70E740481C1C}">
+                  <a14:useLocalDpi xmlns:a14="http://schemas.microsoft.com/office/drawing/2010/main" val="0"/>
+                </a:ext>
+              </a:extLst>
+            </a:blip>
+            <a:stretch>
+              <a:fillRect/>
+            </a:stretch>
+          </p:blipFill>
+          <p:spPr>
+            <a:xfrm>
+              <a:off x="9337617" y="4322635"/>
+              <a:ext cx="2371739" cy="1776515"/>
+            </a:xfrm>
+            <a:prstGeom prst="rect">
+              <a:avLst/>
+            </a:prstGeom>
+          </p:spPr>
+        </p:pic>
+        <p:sp>
+          <p:nvSpPr>
+            <p:cNvPr id="13" name="加算記号 12">
+              <a:extLst>
+                <a:ext uri="{FF2B5EF4-FFF2-40B4-BE49-F238E27FC236}">
+                  <a16:creationId xmlns:a16="http://schemas.microsoft.com/office/drawing/2014/main" id="{225FF86F-3723-457A-9163-91FFB09049F2}"/>
+                </a:ext>
+              </a:extLst>
+            </p:cNvPr>
+            <p:cNvSpPr/>
+            <p:nvPr/>
+          </p:nvSpPr>
+          <p:spPr>
+            <a:xfrm>
+              <a:off x="8609377" y="4944498"/>
+              <a:ext cx="774503" cy="809721"/>
+            </a:xfrm>
+            <a:prstGeom prst="mathPlus">
+              <a:avLst/>
+            </a:prstGeom>
+            <a:solidFill>
+              <a:srgbClr val="FFC000"/>
+            </a:solidFill>
+            <a:ln>
+              <a:noFill/>
+            </a:ln>
+          </p:spPr>
+          <p:style>
+            <a:lnRef idx="2">
+              <a:schemeClr val="accent1">
+                <a:shade val="50000"/>
+              </a:schemeClr>
+            </a:lnRef>
+            <a:fillRef idx="1">
+              <a:schemeClr val="accent1"/>
+            </a:fillRef>
+            <a:effectRef idx="0">
+              <a:schemeClr val="accent1"/>
+            </a:effectRef>
+            <a:fontRef idx="minor">
+              <a:schemeClr val="lt1"/>
+            </a:fontRef>
+          </p:style>
+          <p:txBody>
+            <a:bodyPr rtlCol="0" anchor="ctr"/>
+            <a:lstStyle/>
+            <a:p>
+              <a:pPr algn="ctr"/>
+              <a:endParaRPr kumimoji="1" lang="ja-JP" altLang="en-US" dirty="0"/>
+            </a:p>
+          </p:txBody>
+        </p:sp>
+        <p:sp>
+          <p:nvSpPr>
+            <p:cNvPr id="14" name="矢印: 右 13">
+              <a:extLst>
+                <a:ext uri="{FF2B5EF4-FFF2-40B4-BE49-F238E27FC236}">
+                  <a16:creationId xmlns:a16="http://schemas.microsoft.com/office/drawing/2014/main" id="{9F06BD0F-F04C-4E9F-BA9E-3C4331C3CFC2}"/>
+                </a:ext>
+              </a:extLst>
+            </p:cNvPr>
+            <p:cNvSpPr/>
+            <p:nvPr/>
+          </p:nvSpPr>
+          <p:spPr>
+            <a:xfrm rot="7678977">
+              <a:off x="2882066" y="4238010"/>
+              <a:ext cx="2513103" cy="274723"/>
+            </a:xfrm>
+            <a:prstGeom prst="rightArrow">
+              <a:avLst>
+                <a:gd name="adj1" fmla="val 53389"/>
+                <a:gd name="adj2" fmla="val 125862"/>
+              </a:avLst>
+            </a:prstGeom>
+            <a:solidFill>
+              <a:schemeClr val="accent2"/>
+            </a:solidFill>
+            <a:ln>
+              <a:noFill/>
+            </a:ln>
+          </p:spPr>
+          <p:style>
+            <a:lnRef idx="2">
+              <a:schemeClr val="accent1">
+                <a:shade val="50000"/>
+              </a:schemeClr>
+            </a:lnRef>
+            <a:fillRef idx="1">
+              <a:schemeClr val="accent1"/>
+            </a:fillRef>
+            <a:effectRef idx="0">
+              <a:schemeClr val="accent1"/>
+            </a:effectRef>
+            <a:fontRef idx="minor">
+              <a:schemeClr val="lt1"/>
+            </a:fontRef>
+          </p:style>
+          <p:txBody>
+            <a:bodyPr rtlCol="0" anchor="ctr"/>
+            <a:lstStyle/>
+            <a:p>
+              <a:pPr algn="ctr"/>
+              <a:endParaRPr kumimoji="1" lang="ja-JP" altLang="en-US"/>
+            </a:p>
+          </p:txBody>
+        </p:sp>
+        <p:sp>
+          <p:nvSpPr>
+            <p:cNvPr id="15" name="矢印: 右 14">
+              <a:extLst>
+                <a:ext uri="{FF2B5EF4-FFF2-40B4-BE49-F238E27FC236}">
+                  <a16:creationId xmlns:a16="http://schemas.microsoft.com/office/drawing/2014/main" id="{E82D82B8-CF4B-4A04-910B-AA28EC936631}"/>
+                </a:ext>
+              </a:extLst>
+            </p:cNvPr>
+            <p:cNvSpPr/>
+            <p:nvPr/>
+          </p:nvSpPr>
+          <p:spPr>
+            <a:xfrm rot="13876702">
+              <a:off x="7542396" y="2765599"/>
+              <a:ext cx="1792129" cy="330262"/>
+            </a:xfrm>
+            <a:prstGeom prst="rightArrow">
+              <a:avLst>
+                <a:gd name="adj1" fmla="val 53389"/>
+                <a:gd name="adj2" fmla="val 125862"/>
+              </a:avLst>
+            </a:prstGeom>
+            <a:solidFill>
+              <a:schemeClr val="accent2"/>
+            </a:solidFill>
+            <a:ln>
+              <a:noFill/>
+            </a:ln>
+          </p:spPr>
+          <p:style>
+            <a:lnRef idx="2">
+              <a:schemeClr val="accent1">
+                <a:shade val="50000"/>
+              </a:schemeClr>
+            </a:lnRef>
+            <a:fillRef idx="1">
+              <a:schemeClr val="accent1"/>
+            </a:fillRef>
+            <a:effectRef idx="0">
+              <a:schemeClr val="accent1"/>
+            </a:effectRef>
+            <a:fontRef idx="minor">
+              <a:schemeClr val="lt1"/>
+            </a:fontRef>
+          </p:style>
+          <p:txBody>
+            <a:bodyPr rtlCol="0" anchor="ctr"/>
+            <a:lstStyle/>
+            <a:p>
+              <a:pPr algn="ctr"/>
+              <a:endParaRPr kumimoji="1" lang="ja-JP" altLang="en-US"/>
+            </a:p>
+          </p:txBody>
+        </p:sp>
+        <p:sp>
+          <p:nvSpPr>
+            <p:cNvPr id="16" name="矢印: 右 15">
+              <a:extLst>
+                <a:ext uri="{FF2B5EF4-FFF2-40B4-BE49-F238E27FC236}">
+                  <a16:creationId xmlns:a16="http://schemas.microsoft.com/office/drawing/2014/main" id="{3946FA38-D983-41DA-8702-64C5CF05F03D}"/>
+                </a:ext>
+              </a:extLst>
+            </p:cNvPr>
+            <p:cNvSpPr/>
+            <p:nvPr/>
+          </p:nvSpPr>
+          <p:spPr>
+            <a:xfrm rot="18528121">
+              <a:off x="2510677" y="3627958"/>
+              <a:ext cx="2513103" cy="274723"/>
+            </a:xfrm>
+            <a:prstGeom prst="rightArrow">
+              <a:avLst>
+                <a:gd name="adj1" fmla="val 53389"/>
+                <a:gd name="adj2" fmla="val 125862"/>
+              </a:avLst>
+            </a:prstGeom>
+            <a:solidFill>
+              <a:schemeClr val="accent2"/>
+            </a:solidFill>
+            <a:ln>
+              <a:noFill/>
+            </a:ln>
+          </p:spPr>
+          <p:style>
+            <a:lnRef idx="2">
+              <a:schemeClr val="accent1">
+                <a:shade val="50000"/>
+              </a:schemeClr>
+            </a:lnRef>
+            <a:fillRef idx="1">
+              <a:schemeClr val="accent1"/>
+            </a:fillRef>
+            <a:effectRef idx="0">
+              <a:schemeClr val="accent1"/>
+            </a:effectRef>
+            <a:fontRef idx="minor">
+              <a:schemeClr val="lt1"/>
+            </a:fontRef>
+          </p:style>
+          <p:txBody>
+            <a:bodyPr rtlCol="0" anchor="ctr"/>
+            <a:lstStyle/>
+            <a:p>
+              <a:pPr algn="ctr"/>
+              <a:endParaRPr kumimoji="1" lang="ja-JP" altLang="en-US"/>
+            </a:p>
+          </p:txBody>
+        </p:sp>
+        <p:sp>
+          <p:nvSpPr>
+            <p:cNvPr id="17" name="矢印: 右 16">
+              <a:extLst>
+                <a:ext uri="{FF2B5EF4-FFF2-40B4-BE49-F238E27FC236}">
+                  <a16:creationId xmlns:a16="http://schemas.microsoft.com/office/drawing/2014/main" id="{23731E85-1DB9-46A9-ABDF-F090B2BC99AD}"/>
+                </a:ext>
+              </a:extLst>
+            </p:cNvPr>
+            <p:cNvSpPr/>
+            <p:nvPr/>
+          </p:nvSpPr>
+          <p:spPr>
+            <a:xfrm rot="3242789">
+              <a:off x="6924820" y="3146150"/>
+              <a:ext cx="1517955" cy="246142"/>
+            </a:xfrm>
+            <a:prstGeom prst="rightArrow">
+              <a:avLst>
+                <a:gd name="adj1" fmla="val 53389"/>
+                <a:gd name="adj2" fmla="val 125862"/>
+              </a:avLst>
+            </a:prstGeom>
+            <a:solidFill>
+              <a:schemeClr val="accent2"/>
+            </a:solidFill>
+            <a:ln>
+              <a:noFill/>
+            </a:ln>
+          </p:spPr>
+          <p:style>
+            <a:lnRef idx="2">
+              <a:schemeClr val="accent1">
+                <a:shade val="50000"/>
+              </a:schemeClr>
+            </a:lnRef>
+            <a:fillRef idx="1">
+              <a:schemeClr val="accent1"/>
+            </a:fillRef>
+            <a:effectRef idx="0">
+              <a:schemeClr val="accent1"/>
+            </a:effectRef>
+            <a:fontRef idx="minor">
+              <a:schemeClr val="lt1"/>
+            </a:fontRef>
+          </p:style>
+          <p:txBody>
+            <a:bodyPr rtlCol="0" anchor="ctr"/>
+            <a:lstStyle/>
+            <a:p>
+              <a:pPr algn="ctr"/>
+              <a:endParaRPr kumimoji="1" lang="ja-JP" altLang="en-US"/>
+            </a:p>
+          </p:txBody>
+        </p:sp>
+        <p:sp>
+          <p:nvSpPr>
+            <p:cNvPr id="18" name="テキスト ボックス 17">
+              <a:extLst>
+                <a:ext uri="{FF2B5EF4-FFF2-40B4-BE49-F238E27FC236}">
+                  <a16:creationId xmlns:a16="http://schemas.microsoft.com/office/drawing/2014/main" id="{0996B1F0-49E4-4265-B431-F2F7900DB70D}"/>
+                </a:ext>
+              </a:extLst>
+            </p:cNvPr>
+            <p:cNvSpPr txBox="1"/>
+            <p:nvPr/>
+          </p:nvSpPr>
+          <p:spPr>
+            <a:xfrm>
+              <a:off x="6703630" y="6027342"/>
+              <a:ext cx="2031325" cy="369332"/>
+            </a:xfrm>
+            <a:prstGeom prst="rect">
+              <a:avLst/>
+            </a:prstGeom>
+            <a:noFill/>
+          </p:spPr>
+          <p:txBody>
+            <a:bodyPr wrap="none" rtlCol="0">
+              <a:spAutoFit/>
+            </a:bodyPr>
+            <a:lstStyle/>
+            <a:p>
+              <a:r>
+                <a:rPr lang="ja-JP" altLang="en-US" b="1" dirty="0"/>
+                <a:t>カメラモジュール</a:t>
+              </a:r>
+              <a:endParaRPr kumimoji="1" lang="ja-JP" altLang="en-US" b="1" dirty="0"/>
+            </a:p>
+          </p:txBody>
+        </p:sp>
+        <p:sp>
+          <p:nvSpPr>
+            <p:cNvPr id="19" name="テキスト ボックス 18">
+              <a:extLst>
+                <a:ext uri="{FF2B5EF4-FFF2-40B4-BE49-F238E27FC236}">
+                  <a16:creationId xmlns:a16="http://schemas.microsoft.com/office/drawing/2014/main" id="{D4D650AB-411E-4FC4-9A0C-C01B64F94824}"/>
+                </a:ext>
+              </a:extLst>
+            </p:cNvPr>
+            <p:cNvSpPr txBox="1"/>
+            <p:nvPr/>
+          </p:nvSpPr>
+          <p:spPr>
+            <a:xfrm>
+              <a:off x="9629609" y="6006999"/>
+              <a:ext cx="1800493" cy="369332"/>
+            </a:xfrm>
+            <a:prstGeom prst="rect">
+              <a:avLst/>
+            </a:prstGeom>
+            <a:noFill/>
+          </p:spPr>
+          <p:txBody>
+            <a:bodyPr wrap="none" rtlCol="0">
+              <a:spAutoFit/>
+            </a:bodyPr>
+            <a:lstStyle/>
+            <a:p>
+              <a:r>
+                <a:rPr kumimoji="1" lang="ja-JP" altLang="en-US" b="1" dirty="0"/>
+                <a:t>ラズベリーパイ</a:t>
+              </a:r>
+            </a:p>
+          </p:txBody>
+        </p:sp>
+        <p:sp>
+          <p:nvSpPr>
+            <p:cNvPr id="20" name="テキスト ボックス 19">
+              <a:extLst>
+                <a:ext uri="{FF2B5EF4-FFF2-40B4-BE49-F238E27FC236}">
+                  <a16:creationId xmlns:a16="http://schemas.microsoft.com/office/drawing/2014/main" id="{7CFF17FA-646E-442A-8BD8-74E32E46FC65}"/>
+                </a:ext>
+              </a:extLst>
+            </p:cNvPr>
+            <p:cNvSpPr txBox="1"/>
+            <p:nvPr/>
+          </p:nvSpPr>
+          <p:spPr>
+            <a:xfrm>
+              <a:off x="640787" y="2330661"/>
+              <a:ext cx="2302233" cy="369332"/>
+            </a:xfrm>
+            <a:prstGeom prst="rect">
+              <a:avLst/>
+            </a:prstGeom>
+            <a:noFill/>
+          </p:spPr>
+          <p:txBody>
+            <a:bodyPr wrap="none" rtlCol="0">
+              <a:spAutoFit/>
+            </a:bodyPr>
+            <a:lstStyle/>
+            <a:p>
+              <a:r>
+                <a:rPr kumimoji="1" lang="ja-JP" altLang="en-US" b="1" dirty="0"/>
+                <a:t>スマホ</a:t>
+              </a:r>
+              <a:r>
+                <a:rPr kumimoji="1" lang="en-US" altLang="ja-JP" b="1" dirty="0"/>
+                <a:t>(LINE</a:t>
+              </a:r>
+              <a:r>
+                <a:rPr kumimoji="1" lang="ja-JP" altLang="en-US" b="1" dirty="0"/>
+                <a:t>アプリ</a:t>
+              </a:r>
+              <a:r>
+                <a:rPr kumimoji="1" lang="en-US" altLang="ja-JP" b="1" dirty="0"/>
+                <a:t>)</a:t>
+              </a:r>
+              <a:endParaRPr kumimoji="1" lang="ja-JP" altLang="en-US" b="1" dirty="0"/>
+            </a:p>
+          </p:txBody>
+        </p:sp>
+        <p:sp>
+          <p:nvSpPr>
+            <p:cNvPr id="21" name="テキスト ボックス 20">
+              <a:extLst>
+                <a:ext uri="{FF2B5EF4-FFF2-40B4-BE49-F238E27FC236}">
+                  <a16:creationId xmlns:a16="http://schemas.microsoft.com/office/drawing/2014/main" id="{16B27675-06DA-4071-888C-11C69D1B1769}"/>
+                </a:ext>
+              </a:extLst>
+            </p:cNvPr>
+            <p:cNvSpPr txBox="1"/>
+            <p:nvPr/>
+          </p:nvSpPr>
+          <p:spPr>
+            <a:xfrm rot="18502683">
+              <a:off x="2928246" y="3434198"/>
+              <a:ext cx="1107996" cy="369332"/>
+            </a:xfrm>
+            <a:prstGeom prst="rect">
+              <a:avLst/>
+            </a:prstGeom>
+            <a:noFill/>
+          </p:spPr>
+          <p:txBody>
+            <a:bodyPr wrap="none" rtlCol="0">
+              <a:spAutoFit/>
+            </a:bodyPr>
+            <a:lstStyle/>
+            <a:p>
+              <a:r>
+                <a:rPr kumimoji="1" lang="ja-JP" altLang="en-US" b="1" dirty="0">
+                  <a:latin typeface="メイリオ" panose="020B0604030504040204" pitchFamily="50" charset="-128"/>
+                  <a:ea typeface="メイリオ" panose="020B0604030504040204" pitchFamily="50" charset="-128"/>
+                </a:rPr>
+                <a:t>撮影命令</a:t>
+              </a:r>
+            </a:p>
+          </p:txBody>
+        </p:sp>
+        <p:sp>
+          <p:nvSpPr>
+            <p:cNvPr id="22" name="テキスト ボックス 21">
+              <a:extLst>
+                <a:ext uri="{FF2B5EF4-FFF2-40B4-BE49-F238E27FC236}">
+                  <a16:creationId xmlns:a16="http://schemas.microsoft.com/office/drawing/2014/main" id="{32D8C656-D990-4D36-8A38-487D163E044F}"/>
+                </a:ext>
+              </a:extLst>
+            </p:cNvPr>
+            <p:cNvSpPr txBox="1"/>
+            <p:nvPr/>
+          </p:nvSpPr>
+          <p:spPr>
+            <a:xfrm rot="18502683">
+              <a:off x="3734382" y="4243012"/>
+              <a:ext cx="1569660" cy="369332"/>
+            </a:xfrm>
+            <a:prstGeom prst="rect">
+              <a:avLst/>
+            </a:prstGeom>
+            <a:noFill/>
+          </p:spPr>
+          <p:txBody>
+            <a:bodyPr wrap="none" rtlCol="0">
+              <a:spAutoFit/>
+            </a:bodyPr>
+            <a:lstStyle/>
+            <a:p>
+              <a:r>
+                <a:rPr kumimoji="1" lang="ja-JP" altLang="en-US" b="1" dirty="0">
+                  <a:latin typeface="メイリオ" panose="020B0604030504040204" pitchFamily="50" charset="-128"/>
+                  <a:ea typeface="メイリオ" panose="020B0604030504040204" pitchFamily="50" charset="-128"/>
+                </a:rPr>
+                <a:t>撮影した写真</a:t>
+              </a:r>
+            </a:p>
+          </p:txBody>
+        </p:sp>
+        <p:sp>
+          <p:nvSpPr>
+            <p:cNvPr id="23" name="テキスト ボックス 22">
+              <a:extLst>
+                <a:ext uri="{FF2B5EF4-FFF2-40B4-BE49-F238E27FC236}">
+                  <a16:creationId xmlns:a16="http://schemas.microsoft.com/office/drawing/2014/main" id="{17F69E1D-6A43-449B-BF3E-791AFF2CE1D7}"/>
+                </a:ext>
+              </a:extLst>
+            </p:cNvPr>
+            <p:cNvSpPr txBox="1"/>
+            <p:nvPr/>
+          </p:nvSpPr>
+          <p:spPr>
+            <a:xfrm rot="3119310">
+              <a:off x="6722953" y="3269794"/>
+              <a:ext cx="1107996" cy="369332"/>
+            </a:xfrm>
+            <a:prstGeom prst="rect">
+              <a:avLst/>
+            </a:prstGeom>
+            <a:noFill/>
+          </p:spPr>
+          <p:txBody>
+            <a:bodyPr wrap="none" rtlCol="0">
+              <a:spAutoFit/>
+            </a:bodyPr>
+            <a:lstStyle/>
+            <a:p>
+              <a:r>
+                <a:rPr kumimoji="1" lang="ja-JP" altLang="en-US" b="1" dirty="0">
+                  <a:latin typeface="メイリオ" panose="020B0604030504040204" pitchFamily="50" charset="-128"/>
+                  <a:ea typeface="メイリオ" panose="020B0604030504040204" pitchFamily="50" charset="-128"/>
+                </a:rPr>
+                <a:t>撮影命令</a:t>
+              </a:r>
+            </a:p>
+          </p:txBody>
+        </p:sp>
+        <p:sp>
+          <p:nvSpPr>
+            <p:cNvPr id="24" name="テキスト ボックス 23">
+              <a:extLst>
+                <a:ext uri="{FF2B5EF4-FFF2-40B4-BE49-F238E27FC236}">
+                  <a16:creationId xmlns:a16="http://schemas.microsoft.com/office/drawing/2014/main" id="{2A89C6F9-AEC5-4254-A673-4C78D6B8EA48}"/>
+                </a:ext>
+              </a:extLst>
+            </p:cNvPr>
+            <p:cNvSpPr txBox="1"/>
+            <p:nvPr/>
+          </p:nvSpPr>
+          <p:spPr>
+            <a:xfrm rot="2947612">
+              <a:off x="8286901" y="2689350"/>
+              <a:ext cx="1569660" cy="369332"/>
+            </a:xfrm>
+            <a:prstGeom prst="rect">
+              <a:avLst/>
+            </a:prstGeom>
+            <a:noFill/>
+          </p:spPr>
+          <p:txBody>
+            <a:bodyPr wrap="none" rtlCol="0">
+              <a:spAutoFit/>
+            </a:bodyPr>
+            <a:lstStyle/>
+            <a:p>
+              <a:r>
+                <a:rPr kumimoji="1" lang="ja-JP" altLang="en-US" b="1" dirty="0">
+                  <a:latin typeface="メイリオ" panose="020B0604030504040204" pitchFamily="50" charset="-128"/>
+                  <a:ea typeface="メイリオ" panose="020B0604030504040204" pitchFamily="50" charset="-128"/>
+                </a:rPr>
+                <a:t>撮影した写真</a:t>
+              </a:r>
+            </a:p>
+          </p:txBody>
+        </p:sp>
+        <p:sp>
+          <p:nvSpPr>
+            <p:cNvPr id="25" name="楕円 24">
+              <a:extLst>
+                <a:ext uri="{FF2B5EF4-FFF2-40B4-BE49-F238E27FC236}">
+                  <a16:creationId xmlns:a16="http://schemas.microsoft.com/office/drawing/2014/main" id="{3908C7CF-C79B-4D7E-80EE-0F0A6D41F20B}"/>
+                </a:ext>
+              </a:extLst>
+            </p:cNvPr>
+            <p:cNvSpPr/>
+            <p:nvPr/>
+          </p:nvSpPr>
+          <p:spPr>
+            <a:xfrm>
+              <a:off x="5521360" y="3917407"/>
+              <a:ext cx="6659482" cy="2960574"/>
+            </a:xfrm>
+            <a:prstGeom prst="ellipse">
+              <a:avLst/>
+            </a:prstGeom>
+            <a:noFill/>
+            <a:ln w="76200">
+              <a:solidFill>
+                <a:srgbClr val="00B0F0"/>
+              </a:solidFill>
+            </a:ln>
+          </p:spPr>
+          <p:style>
+            <a:lnRef idx="2">
+              <a:schemeClr val="accent1">
+                <a:shade val="50000"/>
+              </a:schemeClr>
+            </a:lnRef>
+            <a:fillRef idx="1">
+              <a:schemeClr val="accent1"/>
+            </a:fillRef>
+            <a:effectRef idx="0">
+              <a:schemeClr val="accent1"/>
+            </a:effectRef>
+            <a:fontRef idx="minor">
+              <a:schemeClr val="lt1"/>
+            </a:fontRef>
+          </p:style>
+          <p:txBody>
+            <a:bodyPr rtlCol="0" anchor="ctr"/>
+            <a:lstStyle/>
+            <a:p>
+              <a:pPr algn="ctr"/>
+              <a:endParaRPr kumimoji="1" lang="ja-JP" altLang="en-US"/>
+            </a:p>
+          </p:txBody>
+        </p:sp>
+      </p:grpSp>
     </p:spTree>
     <p:extLst>
       <p:ext uri="{BB962C8B-B14F-4D97-AF65-F5344CB8AC3E}">
